--- a/갓생살기_ver4.pptx
+++ b/갓생살기_ver4.pptx
@@ -259,7 +259,7 @@
           <a:p>
             <a:fld id="{FFF8F58C-1102-422A-AC9A-928B3A24AC2B}" type="datetimeFigureOut">
               <a:rPr lang="ko-KR" altLang="en-US" smtClean="0"/>
-              <a:t>2023-06-14</a:t>
+              <a:t>2023-06-15</a:t>
             </a:fld>
             <a:endParaRPr lang="ko-KR" altLang="en-US"/>
           </a:p>
@@ -2734,7 +2734,7 @@
           <a:p>
             <a:fld id="{D56FE042-7F34-425B-92DB-56366416E9FE}" type="datetimeFigureOut">
               <a:rPr lang="ko-KR" altLang="en-US" smtClean="0"/>
-              <a:t>2023-06-14</a:t>
+              <a:t>2023-06-15</a:t>
             </a:fld>
             <a:endParaRPr lang="ko-KR" altLang="en-US"/>
           </a:p>
@@ -2932,7 +2932,7 @@
           <a:p>
             <a:fld id="{D56FE042-7F34-425B-92DB-56366416E9FE}" type="datetimeFigureOut">
               <a:rPr lang="ko-KR" altLang="en-US" smtClean="0"/>
-              <a:t>2023-06-14</a:t>
+              <a:t>2023-06-15</a:t>
             </a:fld>
             <a:endParaRPr lang="ko-KR" altLang="en-US"/>
           </a:p>
@@ -3140,7 +3140,7 @@
           <a:p>
             <a:fld id="{D56FE042-7F34-425B-92DB-56366416E9FE}" type="datetimeFigureOut">
               <a:rPr lang="ko-KR" altLang="en-US" smtClean="0"/>
-              <a:t>2023-06-14</a:t>
+              <a:t>2023-06-15</a:t>
             </a:fld>
             <a:endParaRPr lang="ko-KR" altLang="en-US"/>
           </a:p>
@@ -10925,7 +10925,7 @@
           <a:p>
             <a:fld id="{D56FE042-7F34-425B-92DB-56366416E9FE}" type="datetimeFigureOut">
               <a:rPr lang="ko-KR" altLang="en-US" smtClean="0"/>
-              <a:t>2023-06-14</a:t>
+              <a:t>2023-06-15</a:t>
             </a:fld>
             <a:endParaRPr lang="ko-KR" altLang="en-US"/>
           </a:p>
@@ -11200,7 +11200,7 @@
           <a:p>
             <a:fld id="{D56FE042-7F34-425B-92DB-56366416E9FE}" type="datetimeFigureOut">
               <a:rPr lang="ko-KR" altLang="en-US" smtClean="0"/>
-              <a:t>2023-06-14</a:t>
+              <a:t>2023-06-15</a:t>
             </a:fld>
             <a:endParaRPr lang="ko-KR" altLang="en-US"/>
           </a:p>
@@ -11465,7 +11465,7 @@
           <a:p>
             <a:fld id="{D56FE042-7F34-425B-92DB-56366416E9FE}" type="datetimeFigureOut">
               <a:rPr lang="ko-KR" altLang="en-US" smtClean="0"/>
-              <a:t>2023-06-14</a:t>
+              <a:t>2023-06-15</a:t>
             </a:fld>
             <a:endParaRPr lang="ko-KR" altLang="en-US"/>
           </a:p>
@@ -11877,7 +11877,7 @@
           <a:p>
             <a:fld id="{D56FE042-7F34-425B-92DB-56366416E9FE}" type="datetimeFigureOut">
               <a:rPr lang="ko-KR" altLang="en-US" smtClean="0"/>
-              <a:t>2023-06-14</a:t>
+              <a:t>2023-06-15</a:t>
             </a:fld>
             <a:endParaRPr lang="ko-KR" altLang="en-US"/>
           </a:p>
@@ -12018,7 +12018,7 @@
           <a:p>
             <a:fld id="{D56FE042-7F34-425B-92DB-56366416E9FE}" type="datetimeFigureOut">
               <a:rPr lang="ko-KR" altLang="en-US" smtClean="0"/>
-              <a:t>2023-06-14</a:t>
+              <a:t>2023-06-15</a:t>
             </a:fld>
             <a:endParaRPr lang="ko-KR" altLang="en-US"/>
           </a:p>
@@ -12131,7 +12131,7 @@
           <a:p>
             <a:fld id="{D56FE042-7F34-425B-92DB-56366416E9FE}" type="datetimeFigureOut">
               <a:rPr lang="ko-KR" altLang="en-US" smtClean="0"/>
-              <a:t>2023-06-14</a:t>
+              <a:t>2023-06-15</a:t>
             </a:fld>
             <a:endParaRPr lang="ko-KR" altLang="en-US"/>
           </a:p>
@@ -12442,7 +12442,7 @@
           <a:p>
             <a:fld id="{D56FE042-7F34-425B-92DB-56366416E9FE}" type="datetimeFigureOut">
               <a:rPr lang="ko-KR" altLang="en-US" smtClean="0"/>
-              <a:t>2023-06-14</a:t>
+              <a:t>2023-06-15</a:t>
             </a:fld>
             <a:endParaRPr lang="ko-KR" altLang="en-US"/>
           </a:p>
@@ -12730,7 +12730,7 @@
           <a:p>
             <a:fld id="{D56FE042-7F34-425B-92DB-56366416E9FE}" type="datetimeFigureOut">
               <a:rPr lang="ko-KR" altLang="en-US" smtClean="0"/>
-              <a:t>2023-06-14</a:t>
+              <a:t>2023-06-15</a:t>
             </a:fld>
             <a:endParaRPr lang="ko-KR" altLang="en-US"/>
           </a:p>
@@ -12979,7 +12979,7 @@
           <a:p>
             <a:fld id="{D56FE042-7F34-425B-92DB-56366416E9FE}" type="datetimeFigureOut">
               <a:rPr lang="ko-KR" altLang="en-US" smtClean="0"/>
-              <a:t>2023-06-14</a:t>
+              <a:t>2023-06-15</a:t>
             </a:fld>
             <a:endParaRPr lang="ko-KR" altLang="en-US"/>
           </a:p>
@@ -24175,13 +24175,13 @@
           <a:p>
             <a:pPr marL="0" indent="0"/>
             <a:r>
-              <a:rPr lang="ko-KR" altLang="en-US" sz="4000" dirty="0">
+              <a:rPr lang="ko-KR" altLang="en-US" sz="4000" b="1" dirty="0">
                 <a:latin typeface="나눔손글씨 성실체" panose="02000503000000000000" pitchFamily="2" charset="-127"/>
                 <a:ea typeface="나눔손글씨 성실체" panose="02000503000000000000" pitchFamily="2" charset="-127"/>
               </a:rPr>
               <a:t>서비스내용</a:t>
             </a:r>
-            <a:endParaRPr sz="4000" dirty="0">
+            <a:endParaRPr sz="4000" b="1" dirty="0">
               <a:latin typeface="나눔손글씨 성실체" panose="02000503000000000000" pitchFamily="2" charset="-127"/>
               <a:ea typeface="나눔손글씨 성실체" panose="02000503000000000000" pitchFamily="2" charset="-127"/>
             </a:endParaRPr>
@@ -24297,13 +24297,13 @@
           <a:p>
             <a:pPr marL="0" indent="0"/>
             <a:r>
-              <a:rPr lang="ko-KR" altLang="en-US" sz="3600" dirty="0">
+              <a:rPr lang="ko-KR" altLang="en-US" sz="3600" b="1" dirty="0">
                 <a:latin typeface="나눔손글씨 성실체" panose="02000503000000000000" pitchFamily="2" charset="-127"/>
                 <a:ea typeface="나눔손글씨 성실체" panose="02000503000000000000" pitchFamily="2" charset="-127"/>
               </a:rPr>
               <a:t>컨셉</a:t>
             </a:r>
-            <a:endParaRPr sz="3600" dirty="0">
+            <a:endParaRPr sz="3600" b="1" dirty="0">
               <a:latin typeface="나눔손글씨 성실체" panose="02000503000000000000" pitchFamily="2" charset="-127"/>
               <a:ea typeface="나눔손글씨 성실체" panose="02000503000000000000" pitchFamily="2" charset="-127"/>
             </a:endParaRPr>
@@ -24419,7 +24419,7 @@
           <a:p>
             <a:pPr marL="0" indent="0"/>
             <a:r>
-              <a:rPr lang="ko-KR" altLang="en-US" sz="3600" dirty="0">
+              <a:rPr lang="ko-KR" altLang="en-US" sz="3600" b="1" dirty="0">
                 <a:latin typeface="나눔손글씨 성실체" panose="02000503000000000000" pitchFamily="2" charset="-127"/>
                 <a:ea typeface="나눔손글씨 성실체" panose="02000503000000000000" pitchFamily="2" charset="-127"/>
               </a:rPr>
@@ -34377,7 +34377,7 @@
         </p:nvSpPr>
         <p:spPr>
           <a:xfrm>
-            <a:off x="2419351" y="2085963"/>
+            <a:off x="2401946" y="1988722"/>
             <a:ext cx="6070716" cy="685200"/>
           </a:xfrm>
           <a:prstGeom prst="rect">
@@ -34403,7 +34403,21 @@
                 <a:latin typeface="나눔손글씨 성실체" panose="02000503000000000000" pitchFamily="2" charset="-127"/>
                 <a:ea typeface="나눔손글씨 성실체" panose="02000503000000000000" pitchFamily="2" charset="-127"/>
               </a:rPr>
-              <a:t>같은 도전과제를 다양한사람과 경험을 나누기</a:t>
+              <a:t>같은 </a:t>
+            </a:r>
+            <a:r>
+              <a:rPr lang="ko-KR" altLang="en-US" dirty="0">
+                <a:latin typeface="나눔손글씨 성실체" panose="02000503000000000000" pitchFamily="2" charset="-127"/>
+                <a:ea typeface="나눔손글씨 성실체" panose="02000503000000000000" pitchFamily="2" charset="-127"/>
+              </a:rPr>
+              <a:t>도전과제를</a:t>
+            </a:r>
+            <a:r>
+              <a:rPr lang="ko-KR" altLang="en-US" sz="3200" dirty="0">
+                <a:latin typeface="나눔손글씨 성실체" panose="02000503000000000000" pitchFamily="2" charset="-127"/>
+                <a:ea typeface="나눔손글씨 성실체" panose="02000503000000000000" pitchFamily="2" charset="-127"/>
+              </a:rPr>
+              <a:t> 다양한사람과 경험을 나누기</a:t>
             </a:r>
             <a:endParaRPr lang="en-US" altLang="ko-KR" sz="3200" dirty="0">
               <a:latin typeface="나눔손글씨 성실체" panose="02000503000000000000" pitchFamily="2" charset="-127"/>
@@ -34513,8 +34527,8 @@
         </p:nvSpPr>
         <p:spPr>
           <a:xfrm>
-            <a:off x="2463181" y="1098836"/>
-            <a:ext cx="6343799" cy="923915"/>
+            <a:off x="2551706" y="1472005"/>
+            <a:ext cx="2095680" cy="661650"/>
           </a:xfrm>
           <a:prstGeom prst="rect">
             <a:avLst/>
@@ -34528,7 +34542,7 @@
           <a:p>
             <a:pPr marL="0" indent="0"/>
             <a:r>
-              <a:rPr lang="ko-KR" altLang="en-US" sz="4000" b="1" dirty="0">
+              <a:rPr lang="ko-KR" altLang="en-US" sz="3600" b="1" dirty="0">
                 <a:latin typeface="나눔손글씨 성실체" panose="02000503000000000000" pitchFamily="2" charset="-127"/>
                 <a:ea typeface="나눔손글씨 성실체" panose="02000503000000000000" pitchFamily="2" charset="-127"/>
               </a:rPr>
@@ -34553,8 +34567,8 @@
         </p:nvSpPr>
         <p:spPr>
           <a:xfrm>
-            <a:off x="2444413" y="3409748"/>
-            <a:ext cx="5569501" cy="1432552"/>
+            <a:off x="2400940" y="3651805"/>
+            <a:ext cx="5569501" cy="1252466"/>
           </a:xfrm>
           <a:prstGeom prst="rect">
             <a:avLst/>
@@ -34588,17 +34602,7 @@
               </a:rPr>
               <a:t> 바</a:t>
             </a:r>
-            <a:endParaRPr lang="en-US" altLang="ko-KR" sz="3200" dirty="0">
-              <a:latin typeface="나눔손글씨 성실체" panose="02000503000000000000" pitchFamily="2" charset="-127"/>
-              <a:ea typeface="나눔손글씨 성실체" panose="02000503000000000000" pitchFamily="2" charset="-127"/>
-            </a:endParaRPr>
-          </a:p>
-          <a:p>
-            <a:pPr marL="457200" indent="-457200">
-              <a:buFont typeface="Arial" panose="020B0604020202020204" pitchFamily="34" charset="0"/>
-              <a:buChar char="•"/>
-            </a:pPr>
-            <a:endParaRPr lang="en-US" altLang="ko-KR" sz="3200" dirty="0">
+            <a:endParaRPr lang="en-US" altLang="ko-KR" dirty="0">
               <a:latin typeface="나눔손글씨 성실체" panose="02000503000000000000" pitchFamily="2" charset="-127"/>
               <a:ea typeface="나눔손글씨 성실체" panose="02000503000000000000" pitchFamily="2" charset="-127"/>
             </a:endParaRPr>
@@ -34673,7 +34677,7 @@
         </p:nvSpPr>
         <p:spPr>
           <a:xfrm>
-            <a:off x="2432740" y="2929386"/>
+            <a:off x="2453098" y="3316547"/>
             <a:ext cx="7935373" cy="576800"/>
           </a:xfrm>
           <a:prstGeom prst="rect">
@@ -34688,7 +34692,7 @@
           <a:p>
             <a:pPr marL="0" indent="0"/>
             <a:r>
-              <a:rPr lang="ko-KR" altLang="en-US" sz="4000" b="1" dirty="0">
+              <a:rPr lang="ko-KR" altLang="en-US" sz="3600" b="1" dirty="0">
                 <a:latin typeface="나눔손글씨 성실체" panose="02000503000000000000" pitchFamily="2" charset="-127"/>
                 <a:ea typeface="나눔손글씨 성실체" panose="02000503000000000000" pitchFamily="2" charset="-127"/>
               </a:rPr>
@@ -34713,7 +34717,7 @@
         </p:nvSpPr>
         <p:spPr>
           <a:xfrm>
-            <a:off x="2501227" y="5577323"/>
+            <a:off x="2437251" y="5653020"/>
             <a:ext cx="3899200" cy="685200"/>
           </a:xfrm>
           <a:prstGeom prst="rect">
@@ -34739,7 +34743,21 @@
                 <a:latin typeface="나눔손글씨 성실체" panose="02000503000000000000" pitchFamily="2" charset="-127"/>
                 <a:ea typeface="나눔손글씨 성실체" panose="02000503000000000000" pitchFamily="2" charset="-127"/>
               </a:rPr>
-              <a:t> 공유 및 일정공유</a:t>
+              <a:t> </a:t>
+            </a:r>
+            <a:r>
+              <a:rPr lang="ko-KR" altLang="en-US" dirty="0">
+                <a:latin typeface="나눔손글씨 성실체" panose="02000503000000000000" pitchFamily="2" charset="-127"/>
+                <a:ea typeface="나눔손글씨 성실체" panose="02000503000000000000" pitchFamily="2" charset="-127"/>
+              </a:rPr>
+              <a:t>공유</a:t>
+            </a:r>
+            <a:r>
+              <a:rPr lang="ko-KR" altLang="en-US" sz="3200" dirty="0">
+                <a:latin typeface="나눔손글씨 성실체" panose="02000503000000000000" pitchFamily="2" charset="-127"/>
+                <a:ea typeface="나눔손글씨 성실체" panose="02000503000000000000" pitchFamily="2" charset="-127"/>
+              </a:rPr>
+              <a:t> 및 일정공유</a:t>
             </a:r>
             <a:endParaRPr lang="en-US" altLang="ko-KR" sz="3200" dirty="0">
               <a:latin typeface="나눔손글씨 성실체" panose="02000503000000000000" pitchFamily="2" charset="-127"/>
@@ -34802,7 +34820,7 @@
         </p:nvSpPr>
         <p:spPr>
           <a:xfrm>
-            <a:off x="2466362" y="5090293"/>
+            <a:off x="2437251" y="5181525"/>
             <a:ext cx="3899200" cy="576800"/>
           </a:xfrm>
           <a:prstGeom prst="rect">
@@ -34817,20 +34835,20 @@
           <a:p>
             <a:pPr marL="0" indent="0"/>
             <a:r>
-              <a:rPr lang="ko-KR" altLang="en-US" sz="4000" b="1" dirty="0">
+              <a:rPr lang="ko-KR" altLang="en-US" sz="3600" b="1" dirty="0">
                 <a:latin typeface="나눔손글씨 성실체" panose="02000503000000000000" pitchFamily="2" charset="-127"/>
                 <a:ea typeface="나눔손글씨 성실체" panose="02000503000000000000" pitchFamily="2" charset="-127"/>
               </a:rPr>
               <a:t>공유</a:t>
             </a:r>
             <a:r>
-              <a:rPr lang="ko-KR" altLang="en-US" dirty="0">
+              <a:rPr lang="ko-KR" altLang="en-US" sz="3600" dirty="0">
                 <a:latin typeface="나눔손글씨 성실체" panose="02000503000000000000" pitchFamily="2" charset="-127"/>
                 <a:ea typeface="나눔손글씨 성실체" panose="02000503000000000000" pitchFamily="2" charset="-127"/>
               </a:rPr>
               <a:t> </a:t>
             </a:r>
-            <a:endParaRPr dirty="0">
+            <a:endParaRPr sz="3600" dirty="0">
               <a:latin typeface="나눔손글씨 성실체" panose="02000503000000000000" pitchFamily="2" charset="-127"/>
               <a:ea typeface="나눔손글씨 성실체" panose="02000503000000000000" pitchFamily="2" charset="-127"/>
             </a:endParaRPr>

--- a/갓생살기_ver4.pptx
+++ b/갓생살기_ver4.pptx
@@ -5,7 +5,7 @@
     <p:sldMasterId id="2147483648" r:id="rId1"/>
   </p:sldMasterIdLst>
   <p:notesMasterIdLst>
-    <p:notesMasterId r:id="rId24"/>
+    <p:notesMasterId r:id="rId23"/>
   </p:notesMasterIdLst>
   <p:sldIdLst>
     <p:sldId id="282" r:id="rId2"/>
@@ -13,53 +13,52 @@
     <p:sldId id="325" r:id="rId4"/>
     <p:sldId id="326" r:id="rId5"/>
     <p:sldId id="312" r:id="rId6"/>
-    <p:sldId id="313" r:id="rId7"/>
-    <p:sldId id="324" r:id="rId8"/>
-    <p:sldId id="314" r:id="rId9"/>
-    <p:sldId id="322" r:id="rId10"/>
-    <p:sldId id="323" r:id="rId11"/>
-    <p:sldId id="327" r:id="rId12"/>
-    <p:sldId id="328" r:id="rId13"/>
-    <p:sldId id="329" r:id="rId14"/>
-    <p:sldId id="315" r:id="rId15"/>
-    <p:sldId id="316" r:id="rId16"/>
-    <p:sldId id="331" r:id="rId17"/>
-    <p:sldId id="332" r:id="rId18"/>
-    <p:sldId id="333" r:id="rId19"/>
-    <p:sldId id="334" r:id="rId20"/>
-    <p:sldId id="335" r:id="rId21"/>
-    <p:sldId id="336" r:id="rId22"/>
-    <p:sldId id="318" r:id="rId23"/>
+    <p:sldId id="324" r:id="rId7"/>
+    <p:sldId id="314" r:id="rId8"/>
+    <p:sldId id="322" r:id="rId9"/>
+    <p:sldId id="323" r:id="rId10"/>
+    <p:sldId id="327" r:id="rId11"/>
+    <p:sldId id="328" r:id="rId12"/>
+    <p:sldId id="329" r:id="rId13"/>
+    <p:sldId id="315" r:id="rId14"/>
+    <p:sldId id="316" r:id="rId15"/>
+    <p:sldId id="331" r:id="rId16"/>
+    <p:sldId id="332" r:id="rId17"/>
+    <p:sldId id="333" r:id="rId18"/>
+    <p:sldId id="334" r:id="rId19"/>
+    <p:sldId id="335" r:id="rId20"/>
+    <p:sldId id="336" r:id="rId21"/>
+    <p:sldId id="318" r:id="rId22"/>
   </p:sldIdLst>
   <p:sldSz cx="12192000" cy="6858000"/>
   <p:notesSz cx="6858000" cy="9144000"/>
   <p:embeddedFontLst>
     <p:embeddedFont>
       <p:font typeface="Cabin" panose="020B0600000101010101" charset="-127"/>
-      <p:regular r:id="rId25"/>
-      <p:bold r:id="rId26"/>
-      <p:italic r:id="rId27"/>
-      <p:boldItalic r:id="rId28"/>
+      <p:regular r:id="rId24"/>
+      <p:bold r:id="rId25"/>
+      <p:italic r:id="rId26"/>
+      <p:boldItalic r:id="rId27"/>
     </p:embeddedFont>
     <p:embeddedFont>
       <p:font typeface="Jua" panose="020B0600000101010101" charset="-127"/>
-      <p:regular r:id="rId29"/>
+      <p:regular r:id="rId28"/>
     </p:embeddedFont>
     <p:embeddedFont>
       <p:font typeface="Poppins" panose="00000500000000000000" pitchFamily="2" charset="0"/>
-      <p:regular r:id="rId30"/>
-      <p:bold r:id="rId31"/>
-      <p:italic r:id="rId32"/>
-      <p:boldItalic r:id="rId33"/>
+      <p:regular r:id="rId29"/>
+      <p:bold r:id="rId30"/>
+      <p:italic r:id="rId31"/>
+      <p:boldItalic r:id="rId32"/>
     </p:embeddedFont>
     <p:embeddedFont>
       <p:font typeface="나눔손글씨 성실체" panose="02000503000000000000" pitchFamily="2" charset="-127"/>
-      <p:regular r:id="rId34"/>
+      <p:regular r:id="rId33"/>
     </p:embeddedFont>
     <p:embeddedFont>
       <p:font typeface="맑은 고딕" panose="020B0503020000020004" pitchFamily="50" charset="-127"/>
-      <p:regular r:id="rId35"/>
-      <p:bold r:id="rId36"/>
+      <p:regular r:id="rId34"/>
+      <p:bold r:id="rId35"/>
     </p:embeddedFont>
   </p:embeddedFontLst>
   <p:defaultTextStyle>
@@ -259,7 +258,7 @@
           <a:p>
             <a:fld id="{FFF8F58C-1102-422A-AC9A-928B3A24AC2B}" type="datetimeFigureOut">
               <a:rPr lang="ko-KR" altLang="en-US" smtClean="0"/>
-              <a:t>2023-06-15</a:t>
+              <a:t>2023-06-26</a:t>
             </a:fld>
             <a:endParaRPr lang="ko-KR" altLang="en-US"/>
           </a:p>
@@ -2734,7 +2733,7 @@
           <a:p>
             <a:fld id="{D56FE042-7F34-425B-92DB-56366416E9FE}" type="datetimeFigureOut">
               <a:rPr lang="ko-KR" altLang="en-US" smtClean="0"/>
-              <a:t>2023-06-15</a:t>
+              <a:t>2023-06-26</a:t>
             </a:fld>
             <a:endParaRPr lang="ko-KR" altLang="en-US"/>
           </a:p>
@@ -2932,7 +2931,7 @@
           <a:p>
             <a:fld id="{D56FE042-7F34-425B-92DB-56366416E9FE}" type="datetimeFigureOut">
               <a:rPr lang="ko-KR" altLang="en-US" smtClean="0"/>
-              <a:t>2023-06-15</a:t>
+              <a:t>2023-06-26</a:t>
             </a:fld>
             <a:endParaRPr lang="ko-KR" altLang="en-US"/>
           </a:p>
@@ -3140,7 +3139,7 @@
           <a:p>
             <a:fld id="{D56FE042-7F34-425B-92DB-56366416E9FE}" type="datetimeFigureOut">
               <a:rPr lang="ko-KR" altLang="en-US" smtClean="0"/>
-              <a:t>2023-06-15</a:t>
+              <a:t>2023-06-26</a:t>
             </a:fld>
             <a:endParaRPr lang="ko-KR" altLang="en-US"/>
           </a:p>
@@ -10925,7 +10924,7 @@
           <a:p>
             <a:fld id="{D56FE042-7F34-425B-92DB-56366416E9FE}" type="datetimeFigureOut">
               <a:rPr lang="ko-KR" altLang="en-US" smtClean="0"/>
-              <a:t>2023-06-15</a:t>
+              <a:t>2023-06-26</a:t>
             </a:fld>
             <a:endParaRPr lang="ko-KR" altLang="en-US"/>
           </a:p>
@@ -11200,7 +11199,7 @@
           <a:p>
             <a:fld id="{D56FE042-7F34-425B-92DB-56366416E9FE}" type="datetimeFigureOut">
               <a:rPr lang="ko-KR" altLang="en-US" smtClean="0"/>
-              <a:t>2023-06-15</a:t>
+              <a:t>2023-06-26</a:t>
             </a:fld>
             <a:endParaRPr lang="ko-KR" altLang="en-US"/>
           </a:p>
@@ -11465,7 +11464,7 @@
           <a:p>
             <a:fld id="{D56FE042-7F34-425B-92DB-56366416E9FE}" type="datetimeFigureOut">
               <a:rPr lang="ko-KR" altLang="en-US" smtClean="0"/>
-              <a:t>2023-06-15</a:t>
+              <a:t>2023-06-26</a:t>
             </a:fld>
             <a:endParaRPr lang="ko-KR" altLang="en-US"/>
           </a:p>
@@ -11877,7 +11876,7 @@
           <a:p>
             <a:fld id="{D56FE042-7F34-425B-92DB-56366416E9FE}" type="datetimeFigureOut">
               <a:rPr lang="ko-KR" altLang="en-US" smtClean="0"/>
-              <a:t>2023-06-15</a:t>
+              <a:t>2023-06-26</a:t>
             </a:fld>
             <a:endParaRPr lang="ko-KR" altLang="en-US"/>
           </a:p>
@@ -12018,7 +12017,7 @@
           <a:p>
             <a:fld id="{D56FE042-7F34-425B-92DB-56366416E9FE}" type="datetimeFigureOut">
               <a:rPr lang="ko-KR" altLang="en-US" smtClean="0"/>
-              <a:t>2023-06-15</a:t>
+              <a:t>2023-06-26</a:t>
             </a:fld>
             <a:endParaRPr lang="ko-KR" altLang="en-US"/>
           </a:p>
@@ -12131,7 +12130,7 @@
           <a:p>
             <a:fld id="{D56FE042-7F34-425B-92DB-56366416E9FE}" type="datetimeFigureOut">
               <a:rPr lang="ko-KR" altLang="en-US" smtClean="0"/>
-              <a:t>2023-06-15</a:t>
+              <a:t>2023-06-26</a:t>
             </a:fld>
             <a:endParaRPr lang="ko-KR" altLang="en-US"/>
           </a:p>
@@ -12442,7 +12441,7 @@
           <a:p>
             <a:fld id="{D56FE042-7F34-425B-92DB-56366416E9FE}" type="datetimeFigureOut">
               <a:rPr lang="ko-KR" altLang="en-US" smtClean="0"/>
-              <a:t>2023-06-15</a:t>
+              <a:t>2023-06-26</a:t>
             </a:fld>
             <a:endParaRPr lang="ko-KR" altLang="en-US"/>
           </a:p>
@@ -12730,7 +12729,7 @@
           <a:p>
             <a:fld id="{D56FE042-7F34-425B-92DB-56366416E9FE}" type="datetimeFigureOut">
               <a:rPr lang="ko-KR" altLang="en-US" smtClean="0"/>
-              <a:t>2023-06-15</a:t>
+              <a:t>2023-06-26</a:t>
             </a:fld>
             <a:endParaRPr lang="ko-KR" altLang="en-US"/>
           </a:p>
@@ -12979,7 +12978,7 @@
           <a:p>
             <a:fld id="{D56FE042-7F34-425B-92DB-56366416E9FE}" type="datetimeFigureOut">
               <a:rPr lang="ko-KR" altLang="en-US" smtClean="0"/>
-              <a:t>2023-06-15</a:t>
+              <a:t>2023-06-26</a:t>
             </a:fld>
             <a:endParaRPr lang="ko-KR" altLang="en-US"/>
           </a:p>
@@ -22496,159 +22495,6 @@
                 <a:latin typeface="나눔손글씨 성실체" panose="02000503000000000000" pitchFamily="2" charset="-127"/>
                 <a:ea typeface="나눔손글씨 성실체" panose="02000503000000000000" pitchFamily="2" charset="-127"/>
               </a:rPr>
-              <a:t>화면구현             </a:t>
-            </a:r>
-            <a:endParaRPr dirty="0">
-              <a:latin typeface="나눔손글씨 성실체" panose="02000503000000000000" pitchFamily="2" charset="-127"/>
-              <a:ea typeface="나눔손글씨 성실체" panose="02000503000000000000" pitchFamily="2" charset="-127"/>
-            </a:endParaRPr>
-          </a:p>
-        </p:txBody>
-      </p:sp>
-      <p:sp>
-        <p:nvSpPr>
-          <p:cNvPr id="1783" name="Google Shape;1783;p39"/>
-          <p:cNvSpPr txBox="1">
-            <a:spLocks noGrp="1"/>
-          </p:cNvSpPr>
-          <p:nvPr>
-            <p:ph type="subTitle" idx="2"/>
-          </p:nvPr>
-        </p:nvSpPr>
-        <p:spPr>
-          <a:xfrm>
-            <a:off x="272716" y="624728"/>
-            <a:ext cx="4147092" cy="716000"/>
-          </a:xfrm>
-          <a:prstGeom prst="rect">
-            <a:avLst/>
-          </a:prstGeom>
-          <a:solidFill>
-            <a:srgbClr val="E3DFFD"/>
-          </a:solidFill>
-        </p:spPr>
-        <p:txBody>
-          <a:bodyPr spcFirstLastPara="1" vert="horz" wrap="square" lIns="121900" tIns="121900" rIns="121900" bIns="121900" rtlCol="0" anchor="b" anchorCtr="0">
-            <a:noAutofit/>
-          </a:bodyPr>
-          <a:lstStyle/>
-          <a:p>
-            <a:pPr marL="0" indent="0" algn="ctr"/>
-            <a:r>
-              <a:rPr lang="ko-KR" altLang="en-US" sz="4000" dirty="0">
-                <a:latin typeface="나눔손글씨 성실체" panose="02000503000000000000" pitchFamily="2" charset="-127"/>
-                <a:ea typeface="나눔손글씨 성실체" panose="02000503000000000000" pitchFamily="2" charset="-127"/>
-              </a:rPr>
-              <a:t>아이디 찾기</a:t>
-            </a:r>
-            <a:endParaRPr sz="4000" dirty="0">
-              <a:latin typeface="나눔손글씨 성실체" panose="02000503000000000000" pitchFamily="2" charset="-127"/>
-              <a:ea typeface="나눔손글씨 성실체" panose="02000503000000000000" pitchFamily="2" charset="-127"/>
-            </a:endParaRPr>
-          </a:p>
-        </p:txBody>
-      </p:sp>
-      <p:pic>
-        <p:nvPicPr>
-          <p:cNvPr id="5" name="그림 4">
-            <a:extLst>
-              <a:ext uri="{FF2B5EF4-FFF2-40B4-BE49-F238E27FC236}">
-                <a16:creationId xmlns:a16="http://schemas.microsoft.com/office/drawing/2014/main" id="{F9461D19-59C7-872B-90DF-A67F7DAD8DE2}"/>
-              </a:ext>
-            </a:extLst>
-          </p:cNvPr>
-          <p:cNvPicPr>
-            <a:picLocks noChangeAspect="1"/>
-          </p:cNvPicPr>
-          <p:nvPr/>
-        </p:nvPicPr>
-        <p:blipFill>
-          <a:blip r:embed="rId3"/>
-          <a:stretch>
-            <a:fillRect/>
-          </a:stretch>
-        </p:blipFill>
-        <p:spPr>
-          <a:xfrm>
-            <a:off x="963667" y="1538307"/>
-            <a:ext cx="10290000" cy="4949420"/>
-          </a:xfrm>
-          <a:prstGeom prst="rect">
-            <a:avLst/>
-          </a:prstGeom>
-          <a:ln>
-            <a:noFill/>
-          </a:ln>
-        </p:spPr>
-      </p:pic>
-    </p:spTree>
-    <p:extLst>
-      <p:ext uri="{BB962C8B-B14F-4D97-AF65-F5344CB8AC3E}">
-        <p14:creationId xmlns:p14="http://schemas.microsoft.com/office/powerpoint/2010/main" val="2169194483"/>
-      </p:ext>
-    </p:extLst>
-  </p:cSld>
-  <p:clrMapOvr>
-    <a:masterClrMapping/>
-  </p:clrMapOvr>
-</p:sld>
-</file>
-
-<file path=ppt/slides/slide11.xml><?xml version="1.0" encoding="utf-8"?>
-<p:sld xmlns:a="http://schemas.openxmlformats.org/drawingml/2006/main" xmlns:r="http://schemas.openxmlformats.org/officeDocument/2006/relationships" xmlns:p="http://schemas.openxmlformats.org/presentationml/2006/main" showMasterSp="0">
-  <p:cSld>
-    <p:spTree>
-      <p:nvGrpSpPr>
-        <p:cNvPr id="1" name="Shape 1779"/>
-        <p:cNvGrpSpPr/>
-        <p:nvPr/>
-      </p:nvGrpSpPr>
-      <p:grpSpPr>
-        <a:xfrm>
-          <a:off x="0" y="0"/>
-          <a:ext cx="0" cy="0"/>
-          <a:chOff x="0" y="0"/>
-          <a:chExt cx="0" cy="0"/>
-        </a:xfrm>
-      </p:grpSpPr>
-      <p:sp>
-        <p:nvSpPr>
-          <p:cNvPr id="1781" name="Google Shape;1781;p39"/>
-          <p:cNvSpPr txBox="1">
-            <a:spLocks noGrp="1"/>
-          </p:cNvSpPr>
-          <p:nvPr>
-            <p:ph type="ctrTitle" idx="15"/>
-          </p:nvPr>
-        </p:nvSpPr>
-        <p:spPr>
-          <a:xfrm>
-            <a:off x="963667" y="427149"/>
-            <a:ext cx="10290000" cy="716000"/>
-          </a:xfrm>
-          <a:prstGeom prst="rect">
-            <a:avLst/>
-          </a:prstGeom>
-          <a:solidFill>
-            <a:srgbClr val="FDEFC2"/>
-          </a:solidFill>
-          <a:ln>
-            <a:solidFill>
-              <a:srgbClr val="F5F0BB"/>
-            </a:solidFill>
-          </a:ln>
-        </p:spPr>
-        <p:txBody>
-          <a:bodyPr spcFirstLastPara="1" vert="horz" wrap="square" lIns="121900" tIns="121900" rIns="121900" bIns="121900" rtlCol="0" anchor="ctr" anchorCtr="0">
-            <a:noAutofit/>
-          </a:bodyPr>
-          <a:lstStyle/>
-          <a:p>
-            <a:r>
-              <a:rPr lang="ko-KR" altLang="en-US" sz="4800" dirty="0">
-                <a:latin typeface="나눔손글씨 성실체" panose="02000503000000000000" pitchFamily="2" charset="-127"/>
-                <a:ea typeface="나눔손글씨 성실체" panose="02000503000000000000" pitchFamily="2" charset="-127"/>
-              </a:rPr>
               <a:t>화면구현</a:t>
             </a:r>
             <a:endParaRPr dirty="0">
@@ -22747,7 +22593,7 @@
 </p:sld>
 </file>
 
-<file path=ppt/slides/slide12.xml><?xml version="1.0" encoding="utf-8"?>
+<file path=ppt/slides/slide11.xml><?xml version="1.0" encoding="utf-8"?>
 <p:sld xmlns:a="http://schemas.openxmlformats.org/drawingml/2006/main" xmlns:r="http://schemas.openxmlformats.org/officeDocument/2006/relationships" xmlns:p="http://schemas.openxmlformats.org/presentationml/2006/main" showMasterSp="0">
   <p:cSld>
     <p:spTree>
@@ -22896,7 +22742,7 @@
 </p:sld>
 </file>
 
-<file path=ppt/slides/slide13.xml><?xml version="1.0" encoding="utf-8"?>
+<file path=ppt/slides/slide12.xml><?xml version="1.0" encoding="utf-8"?>
 <p:sld xmlns:a="http://schemas.openxmlformats.org/drawingml/2006/main" xmlns:r="http://schemas.openxmlformats.org/officeDocument/2006/relationships" xmlns:p="http://schemas.openxmlformats.org/presentationml/2006/main" showMasterSp="0">
   <p:cSld>
     <p:spTree>
@@ -23046,7 +22892,7 @@
 </p:sld>
 </file>
 
-<file path=ppt/slides/slide14.xml><?xml version="1.0" encoding="utf-8"?>
+<file path=ppt/slides/slide13.xml><?xml version="1.0" encoding="utf-8"?>
 <p:sld xmlns:a="http://schemas.openxmlformats.org/drawingml/2006/main" xmlns:r="http://schemas.openxmlformats.org/officeDocument/2006/relationships" xmlns:p="http://schemas.openxmlformats.org/presentationml/2006/main" showMasterSp="0">
   <p:cSld>
     <p:spTree>
@@ -23210,7 +23056,7 @@
 </p:sld>
 </file>
 
-<file path=ppt/slides/slide15.xml><?xml version="1.0" encoding="utf-8"?>
+<file path=ppt/slides/slide14.xml><?xml version="1.0" encoding="utf-8"?>
 <p:sld xmlns:a="http://schemas.openxmlformats.org/drawingml/2006/main" xmlns:r="http://schemas.openxmlformats.org/officeDocument/2006/relationships" xmlns:p="http://schemas.openxmlformats.org/presentationml/2006/main" showMasterSp="0">
   <p:cSld>
     <p:spTree>
@@ -23360,7 +23206,7 @@
 </p:sld>
 </file>
 
-<file path=ppt/slides/slide16.xml><?xml version="1.0" encoding="utf-8"?>
+<file path=ppt/slides/slide15.xml><?xml version="1.0" encoding="utf-8"?>
 <p:sld xmlns:a="http://schemas.openxmlformats.org/drawingml/2006/main" xmlns:r="http://schemas.openxmlformats.org/officeDocument/2006/relationships" xmlns:p="http://schemas.openxmlformats.org/presentationml/2006/main" showMasterSp="0">
   <p:cSld>
     <p:spTree>
@@ -23524,7 +23370,7 @@
 </p:sld>
 </file>
 
-<file path=ppt/slides/slide17.xml><?xml version="1.0" encoding="utf-8"?>
+<file path=ppt/slides/slide16.xml><?xml version="1.0" encoding="utf-8"?>
 <p:sld xmlns:a="http://schemas.openxmlformats.org/drawingml/2006/main" xmlns:r="http://schemas.openxmlformats.org/officeDocument/2006/relationships" xmlns:p="http://schemas.openxmlformats.org/presentationml/2006/main" showMasterSp="0">
   <p:cSld>
     <p:spTree>
@@ -23674,7 +23520,7 @@
 </p:sld>
 </file>
 
-<file path=ppt/slides/slide18.xml><?xml version="1.0" encoding="utf-8"?>
+<file path=ppt/slides/slide17.xml><?xml version="1.0" encoding="utf-8"?>
 <p:sld xmlns:a="http://schemas.openxmlformats.org/drawingml/2006/main" xmlns:r="http://schemas.openxmlformats.org/officeDocument/2006/relationships" xmlns:p="http://schemas.openxmlformats.org/presentationml/2006/main" showMasterSp="0">
   <p:cSld>
     <p:spTree>
@@ -23824,7 +23670,7 @@
 </p:sld>
 </file>
 
-<file path=ppt/slides/slide19.xml><?xml version="1.0" encoding="utf-8"?>
+<file path=ppt/slides/slide18.xml><?xml version="1.0" encoding="utf-8"?>
 <p:sld xmlns:a="http://schemas.openxmlformats.org/drawingml/2006/main" xmlns:r="http://schemas.openxmlformats.org/officeDocument/2006/relationships" xmlns:p="http://schemas.openxmlformats.org/presentationml/2006/main" showMasterSp="0">
   <p:cSld>
     <p:spTree>
@@ -23965,6 +23811,177 @@
     <p:extLst>
       <p:ext uri="{BB962C8B-B14F-4D97-AF65-F5344CB8AC3E}">
         <p14:creationId xmlns:p14="http://schemas.microsoft.com/office/powerpoint/2010/main" val="821405492"/>
+      </p:ext>
+    </p:extLst>
+  </p:cSld>
+  <p:clrMapOvr>
+    <a:masterClrMapping/>
+  </p:clrMapOvr>
+</p:sld>
+</file>
+
+<file path=ppt/slides/slide19.xml><?xml version="1.0" encoding="utf-8"?>
+<p:sld xmlns:a="http://schemas.openxmlformats.org/drawingml/2006/main" xmlns:r="http://schemas.openxmlformats.org/officeDocument/2006/relationships" xmlns:p="http://schemas.openxmlformats.org/presentationml/2006/main" showMasterSp="0">
+  <p:cSld>
+    <p:spTree>
+      <p:nvGrpSpPr>
+        <p:cNvPr id="1" name="Shape 1779"/>
+        <p:cNvGrpSpPr/>
+        <p:nvPr/>
+      </p:nvGrpSpPr>
+      <p:grpSpPr>
+        <a:xfrm>
+          <a:off x="0" y="0"/>
+          <a:ext cx="0" cy="0"/>
+          <a:chOff x="0" y="0"/>
+          <a:chExt cx="0" cy="0"/>
+        </a:xfrm>
+      </p:grpSpPr>
+      <p:sp>
+        <p:nvSpPr>
+          <p:cNvPr id="1781" name="Google Shape;1781;p39"/>
+          <p:cNvSpPr txBox="1">
+            <a:spLocks noGrp="1"/>
+          </p:cNvSpPr>
+          <p:nvPr>
+            <p:ph type="ctrTitle" idx="15"/>
+          </p:nvPr>
+        </p:nvSpPr>
+        <p:spPr>
+          <a:xfrm>
+            <a:off x="963667" y="427149"/>
+            <a:ext cx="10290000" cy="716000"/>
+          </a:xfrm>
+          <a:prstGeom prst="rect">
+            <a:avLst/>
+          </a:prstGeom>
+          <a:solidFill>
+            <a:srgbClr val="FDEFC2"/>
+          </a:solidFill>
+          <a:ln>
+            <a:solidFill>
+              <a:srgbClr val="F5F0BB"/>
+            </a:solidFill>
+          </a:ln>
+        </p:spPr>
+        <p:txBody>
+          <a:bodyPr spcFirstLastPara="1" vert="horz" wrap="square" lIns="121900" tIns="121900" rIns="121900" bIns="121900" rtlCol="0" anchor="ctr" anchorCtr="0">
+            <a:noAutofit/>
+          </a:bodyPr>
+          <a:lstStyle/>
+          <a:p>
+            <a:r>
+              <a:rPr lang="ko-KR" altLang="en-US" sz="4800" dirty="0">
+                <a:latin typeface="나눔손글씨 성실체" panose="02000503000000000000" pitchFamily="2" charset="-127"/>
+                <a:ea typeface="나눔손글씨 성실체" panose="02000503000000000000" pitchFamily="2" charset="-127"/>
+              </a:rPr>
+              <a:t>화면구현</a:t>
+            </a:r>
+            <a:endParaRPr dirty="0">
+              <a:latin typeface="나눔손글씨 성실체" panose="02000503000000000000" pitchFamily="2" charset="-127"/>
+              <a:ea typeface="나눔손글씨 성실체" panose="02000503000000000000" pitchFamily="2" charset="-127"/>
+            </a:endParaRPr>
+          </a:p>
+        </p:txBody>
+      </p:sp>
+      <p:sp>
+        <p:nvSpPr>
+          <p:cNvPr id="1783" name="Google Shape;1783;p39"/>
+          <p:cNvSpPr txBox="1">
+            <a:spLocks noGrp="1"/>
+          </p:cNvSpPr>
+          <p:nvPr>
+            <p:ph type="subTitle" idx="2"/>
+          </p:nvPr>
+        </p:nvSpPr>
+        <p:spPr>
+          <a:xfrm>
+            <a:off x="272716" y="624728"/>
+            <a:ext cx="4147092" cy="716000"/>
+          </a:xfrm>
+          <a:prstGeom prst="rect">
+            <a:avLst/>
+          </a:prstGeom>
+          <a:solidFill>
+            <a:srgbClr val="E3DFFD"/>
+          </a:solidFill>
+        </p:spPr>
+        <p:txBody>
+          <a:bodyPr spcFirstLastPara="1" vert="horz" wrap="square" lIns="121900" tIns="121900" rIns="121900" bIns="121900" rtlCol="0" anchor="b" anchorCtr="0">
+            <a:noAutofit/>
+          </a:bodyPr>
+          <a:lstStyle/>
+          <a:p>
+            <a:pPr marL="0" indent="0" algn="ctr"/>
+            <a:r>
+              <a:rPr lang="ko-KR" altLang="en-US" sz="4000" dirty="0" err="1">
+                <a:latin typeface="나눔손글씨 성실체" panose="02000503000000000000" pitchFamily="2" charset="-127"/>
+                <a:ea typeface="나눔손글씨 성실체" panose="02000503000000000000" pitchFamily="2" charset="-127"/>
+              </a:rPr>
+              <a:t>챌린지추가</a:t>
+            </a:r>
+            <a:r>
+              <a:rPr lang="en-US" altLang="ko-KR" sz="4000" dirty="0">
+                <a:latin typeface="나눔손글씨 성실체" panose="02000503000000000000" pitchFamily="2" charset="-127"/>
+                <a:ea typeface="나눔손글씨 성실체" panose="02000503000000000000" pitchFamily="2" charset="-127"/>
+              </a:rPr>
+              <a:t>(</a:t>
+            </a:r>
+            <a:r>
+              <a:rPr lang="ko-KR" altLang="en-US" sz="4000" dirty="0">
+                <a:latin typeface="나눔손글씨 성실체" panose="02000503000000000000" pitchFamily="2" charset="-127"/>
+                <a:ea typeface="나눔손글씨 성실체" panose="02000503000000000000" pitchFamily="2" charset="-127"/>
+              </a:rPr>
+              <a:t>기간</a:t>
+            </a:r>
+            <a:r>
+              <a:rPr lang="en-US" altLang="ko-KR" sz="4000" dirty="0">
+                <a:latin typeface="나눔손글씨 성실체" panose="02000503000000000000" pitchFamily="2" charset="-127"/>
+                <a:ea typeface="나눔손글씨 성실체" panose="02000503000000000000" pitchFamily="2" charset="-127"/>
+              </a:rPr>
+              <a:t>)</a:t>
+            </a:r>
+            <a:endParaRPr sz="4000" dirty="0">
+              <a:latin typeface="나눔손글씨 성실체" panose="02000503000000000000" pitchFamily="2" charset="-127"/>
+              <a:ea typeface="나눔손글씨 성실체" panose="02000503000000000000" pitchFamily="2" charset="-127"/>
+            </a:endParaRPr>
+          </a:p>
+        </p:txBody>
+      </p:sp>
+      <p:pic>
+        <p:nvPicPr>
+          <p:cNvPr id="3" name="그림 2">
+            <a:extLst>
+              <a:ext uri="{FF2B5EF4-FFF2-40B4-BE49-F238E27FC236}">
+                <a16:creationId xmlns:a16="http://schemas.microsoft.com/office/drawing/2014/main" id="{3E70DD9E-439D-3F42-C3A1-0D4DA0E98879}"/>
+              </a:ext>
+            </a:extLst>
+          </p:cNvPr>
+          <p:cNvPicPr>
+            <a:picLocks noChangeAspect="1"/>
+          </p:cNvPicPr>
+          <p:nvPr/>
+        </p:nvPicPr>
+        <p:blipFill>
+          <a:blip r:embed="rId3"/>
+          <a:stretch>
+            <a:fillRect/>
+          </a:stretch>
+        </p:blipFill>
+        <p:spPr>
+          <a:xfrm>
+            <a:off x="963667" y="1447045"/>
+            <a:ext cx="10290000" cy="5161573"/>
+          </a:xfrm>
+          <a:prstGeom prst="rect">
+            <a:avLst/>
+          </a:prstGeom>
+        </p:spPr>
+      </p:pic>
+    </p:spTree>
+    <p:extLst>
+      <p:ext uri="{BB962C8B-B14F-4D97-AF65-F5344CB8AC3E}">
+        <p14:creationId xmlns:p14="http://schemas.microsoft.com/office/powerpoint/2010/main" val="1290284682"/>
       </p:ext>
     </p:extLst>
   </p:cSld>
@@ -26379,177 +26396,6 @@
                 <a:latin typeface="나눔손글씨 성실체" panose="02000503000000000000" pitchFamily="2" charset="-127"/>
                 <a:ea typeface="나눔손글씨 성실체" panose="02000503000000000000" pitchFamily="2" charset="-127"/>
               </a:rPr>
-              <a:t>기간</a:t>
-            </a:r>
-            <a:r>
-              <a:rPr lang="en-US" altLang="ko-KR" sz="4000" dirty="0">
-                <a:latin typeface="나눔손글씨 성실체" panose="02000503000000000000" pitchFamily="2" charset="-127"/>
-                <a:ea typeface="나눔손글씨 성실체" panose="02000503000000000000" pitchFamily="2" charset="-127"/>
-              </a:rPr>
-              <a:t>)</a:t>
-            </a:r>
-            <a:endParaRPr sz="4000" dirty="0">
-              <a:latin typeface="나눔손글씨 성실체" panose="02000503000000000000" pitchFamily="2" charset="-127"/>
-              <a:ea typeface="나눔손글씨 성실체" panose="02000503000000000000" pitchFamily="2" charset="-127"/>
-            </a:endParaRPr>
-          </a:p>
-        </p:txBody>
-      </p:sp>
-      <p:pic>
-        <p:nvPicPr>
-          <p:cNvPr id="3" name="그림 2">
-            <a:extLst>
-              <a:ext uri="{FF2B5EF4-FFF2-40B4-BE49-F238E27FC236}">
-                <a16:creationId xmlns:a16="http://schemas.microsoft.com/office/drawing/2014/main" id="{3E70DD9E-439D-3F42-C3A1-0D4DA0E98879}"/>
-              </a:ext>
-            </a:extLst>
-          </p:cNvPr>
-          <p:cNvPicPr>
-            <a:picLocks noChangeAspect="1"/>
-          </p:cNvPicPr>
-          <p:nvPr/>
-        </p:nvPicPr>
-        <p:blipFill>
-          <a:blip r:embed="rId3"/>
-          <a:stretch>
-            <a:fillRect/>
-          </a:stretch>
-        </p:blipFill>
-        <p:spPr>
-          <a:xfrm>
-            <a:off x="963667" y="1447045"/>
-            <a:ext cx="10290000" cy="5161573"/>
-          </a:xfrm>
-          <a:prstGeom prst="rect">
-            <a:avLst/>
-          </a:prstGeom>
-        </p:spPr>
-      </p:pic>
-    </p:spTree>
-    <p:extLst>
-      <p:ext uri="{BB962C8B-B14F-4D97-AF65-F5344CB8AC3E}">
-        <p14:creationId xmlns:p14="http://schemas.microsoft.com/office/powerpoint/2010/main" val="1290284682"/>
-      </p:ext>
-    </p:extLst>
-  </p:cSld>
-  <p:clrMapOvr>
-    <a:masterClrMapping/>
-  </p:clrMapOvr>
-</p:sld>
-</file>
-
-<file path=ppt/slides/slide21.xml><?xml version="1.0" encoding="utf-8"?>
-<p:sld xmlns:a="http://schemas.openxmlformats.org/drawingml/2006/main" xmlns:r="http://schemas.openxmlformats.org/officeDocument/2006/relationships" xmlns:p="http://schemas.openxmlformats.org/presentationml/2006/main" showMasterSp="0">
-  <p:cSld>
-    <p:spTree>
-      <p:nvGrpSpPr>
-        <p:cNvPr id="1" name="Shape 1779"/>
-        <p:cNvGrpSpPr/>
-        <p:nvPr/>
-      </p:nvGrpSpPr>
-      <p:grpSpPr>
-        <a:xfrm>
-          <a:off x="0" y="0"/>
-          <a:ext cx="0" cy="0"/>
-          <a:chOff x="0" y="0"/>
-          <a:chExt cx="0" cy="0"/>
-        </a:xfrm>
-      </p:grpSpPr>
-      <p:sp>
-        <p:nvSpPr>
-          <p:cNvPr id="1781" name="Google Shape;1781;p39"/>
-          <p:cNvSpPr txBox="1">
-            <a:spLocks noGrp="1"/>
-          </p:cNvSpPr>
-          <p:nvPr>
-            <p:ph type="ctrTitle" idx="15"/>
-          </p:nvPr>
-        </p:nvSpPr>
-        <p:spPr>
-          <a:xfrm>
-            <a:off x="963667" y="427149"/>
-            <a:ext cx="10290000" cy="716000"/>
-          </a:xfrm>
-          <a:prstGeom prst="rect">
-            <a:avLst/>
-          </a:prstGeom>
-          <a:solidFill>
-            <a:srgbClr val="FDEFC2"/>
-          </a:solidFill>
-          <a:ln>
-            <a:solidFill>
-              <a:srgbClr val="F5F0BB"/>
-            </a:solidFill>
-          </a:ln>
-        </p:spPr>
-        <p:txBody>
-          <a:bodyPr spcFirstLastPara="1" vert="horz" wrap="square" lIns="121900" tIns="121900" rIns="121900" bIns="121900" rtlCol="0" anchor="ctr" anchorCtr="0">
-            <a:noAutofit/>
-          </a:bodyPr>
-          <a:lstStyle/>
-          <a:p>
-            <a:r>
-              <a:rPr lang="ko-KR" altLang="en-US" sz="4800" dirty="0">
-                <a:latin typeface="나눔손글씨 성실체" panose="02000503000000000000" pitchFamily="2" charset="-127"/>
-                <a:ea typeface="나눔손글씨 성실체" panose="02000503000000000000" pitchFamily="2" charset="-127"/>
-              </a:rPr>
-              <a:t>화면구현</a:t>
-            </a:r>
-            <a:endParaRPr dirty="0">
-              <a:latin typeface="나눔손글씨 성실체" panose="02000503000000000000" pitchFamily="2" charset="-127"/>
-              <a:ea typeface="나눔손글씨 성실체" panose="02000503000000000000" pitchFamily="2" charset="-127"/>
-            </a:endParaRPr>
-          </a:p>
-        </p:txBody>
-      </p:sp>
-      <p:sp>
-        <p:nvSpPr>
-          <p:cNvPr id="1783" name="Google Shape;1783;p39"/>
-          <p:cNvSpPr txBox="1">
-            <a:spLocks noGrp="1"/>
-          </p:cNvSpPr>
-          <p:nvPr>
-            <p:ph type="subTitle" idx="2"/>
-          </p:nvPr>
-        </p:nvSpPr>
-        <p:spPr>
-          <a:xfrm>
-            <a:off x="272716" y="624728"/>
-            <a:ext cx="4147092" cy="716000"/>
-          </a:xfrm>
-          <a:prstGeom prst="rect">
-            <a:avLst/>
-          </a:prstGeom>
-          <a:solidFill>
-            <a:srgbClr val="E3DFFD"/>
-          </a:solidFill>
-        </p:spPr>
-        <p:txBody>
-          <a:bodyPr spcFirstLastPara="1" vert="horz" wrap="square" lIns="121900" tIns="121900" rIns="121900" bIns="121900" rtlCol="0" anchor="b" anchorCtr="0">
-            <a:noAutofit/>
-          </a:bodyPr>
-          <a:lstStyle/>
-          <a:p>
-            <a:pPr marL="0" indent="0" algn="ctr"/>
-            <a:r>
-              <a:rPr lang="ko-KR" altLang="en-US" sz="4000" dirty="0" err="1">
-                <a:latin typeface="나눔손글씨 성실체" panose="02000503000000000000" pitchFamily="2" charset="-127"/>
-                <a:ea typeface="나눔손글씨 성실체" panose="02000503000000000000" pitchFamily="2" charset="-127"/>
-              </a:rPr>
-              <a:t>챌린지추가</a:t>
-            </a:r>
-            <a:r>
-              <a:rPr lang="en-US" altLang="ko-KR" sz="4000" dirty="0">
-                <a:latin typeface="나눔손글씨 성실체" panose="02000503000000000000" pitchFamily="2" charset="-127"/>
-                <a:ea typeface="나눔손글씨 성실체" panose="02000503000000000000" pitchFamily="2" charset="-127"/>
-              </a:rPr>
-              <a:t>(</a:t>
-            </a:r>
-            <a:r>
-              <a:rPr lang="ko-KR" altLang="en-US" sz="4000" dirty="0">
-                <a:latin typeface="나눔손글씨 성실체" panose="02000503000000000000" pitchFamily="2" charset="-127"/>
-                <a:ea typeface="나눔손글씨 성실체" panose="02000503000000000000" pitchFamily="2" charset="-127"/>
-              </a:rPr>
               <a:t>횟수</a:t>
             </a:r>
             <a:r>
@@ -26609,7 +26455,7 @@
 </p:sld>
 </file>
 
-<file path=ppt/slides/slide22.xml><?xml version="1.0" encoding="utf-8"?>
+<file path=ppt/slides/slide21.xml><?xml version="1.0" encoding="utf-8"?>
 <p:sld xmlns:a="http://schemas.openxmlformats.org/drawingml/2006/main" xmlns:r="http://schemas.openxmlformats.org/officeDocument/2006/relationships" xmlns:p="http://schemas.openxmlformats.org/presentationml/2006/main" showMasterSp="0">
   <p:cSld>
     <p:spTree>
@@ -39369,493 +39215,6 @@
   <p:cSld>
     <p:spTree>
       <p:nvGrpSpPr>
-        <p:cNvPr id="1" name=""/>
-        <p:cNvGrpSpPr/>
-        <p:nvPr/>
-      </p:nvGrpSpPr>
-      <p:grpSpPr>
-        <a:xfrm>
-          <a:off x="0" y="0"/>
-          <a:ext cx="0" cy="0"/>
-          <a:chOff x="0" y="0"/>
-          <a:chExt cx="0" cy="0"/>
-        </a:xfrm>
-      </p:grpSpPr>
-      <p:sp>
-        <p:nvSpPr>
-          <p:cNvPr id="2" name="제목 1">
-            <a:extLst>
-              <a:ext uri="{FF2B5EF4-FFF2-40B4-BE49-F238E27FC236}">
-                <a16:creationId xmlns:a16="http://schemas.microsoft.com/office/drawing/2014/main" id="{55033464-8BD1-A7BE-931C-994B64ACACDF}"/>
-              </a:ext>
-            </a:extLst>
-          </p:cNvPr>
-          <p:cNvSpPr>
-            <a:spLocks noGrp="1"/>
-          </p:cNvSpPr>
-          <p:nvPr>
-            <p:ph type="title"/>
-          </p:nvPr>
-        </p:nvSpPr>
-        <p:spPr>
-          <a:xfrm>
-            <a:off x="2985800" y="571612"/>
-            <a:ext cx="6220400" cy="1491200"/>
-          </a:xfrm>
-          <a:solidFill>
-            <a:srgbClr val="FDEFC2"/>
-          </a:solidFill>
-        </p:spPr>
-        <p:txBody>
-          <a:bodyPr/>
-          <a:lstStyle/>
-          <a:p>
-            <a:r>
-              <a:rPr lang="ko-KR" altLang="en-US" dirty="0">
-                <a:latin typeface="나눔손글씨 성실체" panose="02000503000000000000" pitchFamily="2" charset="-127"/>
-                <a:ea typeface="나눔손글씨 성실체" panose="02000503000000000000" pitchFamily="2" charset="-127"/>
-              </a:rPr>
-              <a:t>디자인 컨셉  </a:t>
-            </a:r>
-            <a:r>
-              <a:rPr lang="en-US" altLang="ko-KR" dirty="0"/>
-              <a:t>_</a:t>
-            </a:r>
-            <a:r>
-              <a:rPr lang="ko-KR" altLang="en-US" dirty="0">
-                <a:latin typeface="나눔손글씨 성실체" panose="02000503000000000000" pitchFamily="2" charset="-127"/>
-                <a:ea typeface="나눔손글씨 성실체" panose="02000503000000000000" pitchFamily="2" charset="-127"/>
-              </a:rPr>
-              <a:t>이미지</a:t>
-            </a:r>
-          </a:p>
-        </p:txBody>
-      </p:sp>
-      <p:sp>
-        <p:nvSpPr>
-          <p:cNvPr id="12" name="내용 개체 틀 2">
-            <a:extLst>
-              <a:ext uri="{FF2B5EF4-FFF2-40B4-BE49-F238E27FC236}">
-                <a16:creationId xmlns:a16="http://schemas.microsoft.com/office/drawing/2014/main" id="{4F5E9A21-3A6F-B03B-3307-F010BC59110B}"/>
-              </a:ext>
-            </a:extLst>
-          </p:cNvPr>
-          <p:cNvSpPr txBox="1">
-            <a:spLocks/>
-          </p:cNvSpPr>
-          <p:nvPr/>
-        </p:nvSpPr>
-        <p:spPr>
-          <a:xfrm>
-            <a:off x="1395662" y="5472462"/>
-            <a:ext cx="9749589" cy="436312"/>
-          </a:xfrm>
-          <a:prstGeom prst="rect">
-            <a:avLst/>
-          </a:prstGeom>
-          <a:solidFill>
-            <a:srgbClr val="ECF2FF"/>
-          </a:solidFill>
-          <a:effectLst>
-            <a:outerShdw blurRad="57150" dist="38100" dir="5400000" algn="bl" rotWithShape="0">
-              <a:srgbClr val="000000">
-                <a:alpha val="50000"/>
-              </a:srgbClr>
-            </a:outerShdw>
-          </a:effectLst>
-        </p:spPr>
-        <p:txBody>
-          <a:bodyPr spcFirstLastPara="1" vert="horz" wrap="square" lIns="91425" tIns="91425" rIns="91425" bIns="91425" rtlCol="0" anchor="ctr" anchorCtr="0">
-            <a:normAutofit fontScale="92500" lnSpcReduction="20000"/>
-          </a:bodyPr>
-          <a:lstStyle>
-            <a:lvl1pPr marL="228600" lvl="0" indent="-228600" algn="ctr" defTabSz="914400" rtl="0" eaLnBrk="1" latinLnBrk="1" hangingPunct="1">
-              <a:lnSpc>
-                <a:spcPct val="90000"/>
-              </a:lnSpc>
-              <a:spcBef>
-                <a:spcPts val="0"/>
-              </a:spcBef>
-              <a:spcAft>
-                <a:spcPts val="0"/>
-              </a:spcAft>
-              <a:buSzPts val="2100"/>
-              <a:buFont typeface="Arial" panose="020B0604020202020204" pitchFamily="34" charset="0"/>
-              <a:buNone/>
-              <a:defRPr sz="2800" kern="1200">
-                <a:solidFill>
-                  <a:schemeClr val="tx1"/>
-                </a:solidFill>
-                <a:latin typeface="+mn-lt"/>
-                <a:ea typeface="+mn-ea"/>
-                <a:cs typeface="+mn-cs"/>
-              </a:defRPr>
-            </a:lvl1pPr>
-            <a:lvl2pPr marL="685800" lvl="1" indent="-228600" algn="ctr" defTabSz="914400" rtl="0" eaLnBrk="1" latinLnBrk="1" hangingPunct="1">
-              <a:lnSpc>
-                <a:spcPct val="100000"/>
-              </a:lnSpc>
-              <a:spcBef>
-                <a:spcPts val="0"/>
-              </a:spcBef>
-              <a:spcAft>
-                <a:spcPts val="0"/>
-              </a:spcAft>
-              <a:buSzPts val="2100"/>
-              <a:buFont typeface="Arial" panose="020B0604020202020204" pitchFamily="34" charset="0"/>
-              <a:buNone/>
-              <a:defRPr sz="2800" kern="1200">
-                <a:solidFill>
-                  <a:schemeClr val="tx1"/>
-                </a:solidFill>
-                <a:latin typeface="+mn-lt"/>
-                <a:ea typeface="+mn-ea"/>
-                <a:cs typeface="+mn-cs"/>
-              </a:defRPr>
-            </a:lvl2pPr>
-            <a:lvl3pPr marL="1143000" lvl="2" indent="-228600" algn="ctr" defTabSz="914400" rtl="0" eaLnBrk="1" latinLnBrk="1" hangingPunct="1">
-              <a:lnSpc>
-                <a:spcPct val="100000"/>
-              </a:lnSpc>
-              <a:spcBef>
-                <a:spcPts val="0"/>
-              </a:spcBef>
-              <a:spcAft>
-                <a:spcPts val="0"/>
-              </a:spcAft>
-              <a:buSzPts val="2100"/>
-              <a:buFont typeface="Arial" panose="020B0604020202020204" pitchFamily="34" charset="0"/>
-              <a:buNone/>
-              <a:defRPr sz="2800" kern="1200">
-                <a:solidFill>
-                  <a:schemeClr val="tx1"/>
-                </a:solidFill>
-                <a:latin typeface="+mn-lt"/>
-                <a:ea typeface="+mn-ea"/>
-                <a:cs typeface="+mn-cs"/>
-              </a:defRPr>
-            </a:lvl3pPr>
-            <a:lvl4pPr marL="1600200" lvl="3" indent="-228600" algn="ctr" defTabSz="914400" rtl="0" eaLnBrk="1" latinLnBrk="1" hangingPunct="1">
-              <a:lnSpc>
-                <a:spcPct val="100000"/>
-              </a:lnSpc>
-              <a:spcBef>
-                <a:spcPts val="0"/>
-              </a:spcBef>
-              <a:spcAft>
-                <a:spcPts val="0"/>
-              </a:spcAft>
-              <a:buSzPts val="2100"/>
-              <a:buFont typeface="Arial" panose="020B0604020202020204" pitchFamily="34" charset="0"/>
-              <a:buNone/>
-              <a:defRPr sz="2800" kern="1200">
-                <a:solidFill>
-                  <a:schemeClr val="tx1"/>
-                </a:solidFill>
-                <a:latin typeface="+mn-lt"/>
-                <a:ea typeface="+mn-ea"/>
-                <a:cs typeface="+mn-cs"/>
-              </a:defRPr>
-            </a:lvl4pPr>
-            <a:lvl5pPr marL="2057400" lvl="4" indent="-228600" algn="ctr" defTabSz="914400" rtl="0" eaLnBrk="1" latinLnBrk="1" hangingPunct="1">
-              <a:lnSpc>
-                <a:spcPct val="100000"/>
-              </a:lnSpc>
-              <a:spcBef>
-                <a:spcPts val="0"/>
-              </a:spcBef>
-              <a:spcAft>
-                <a:spcPts val="0"/>
-              </a:spcAft>
-              <a:buSzPts val="2100"/>
-              <a:buFont typeface="Arial" panose="020B0604020202020204" pitchFamily="34" charset="0"/>
-              <a:buNone/>
-              <a:defRPr sz="2800" kern="1200">
-                <a:solidFill>
-                  <a:schemeClr val="tx1"/>
-                </a:solidFill>
-                <a:latin typeface="+mn-lt"/>
-                <a:ea typeface="+mn-ea"/>
-                <a:cs typeface="+mn-cs"/>
-              </a:defRPr>
-            </a:lvl5pPr>
-            <a:lvl6pPr marL="2514600" lvl="5" indent="-228600" algn="ctr" defTabSz="914400" rtl="0" eaLnBrk="1" latinLnBrk="1" hangingPunct="1">
-              <a:lnSpc>
-                <a:spcPct val="100000"/>
-              </a:lnSpc>
-              <a:spcBef>
-                <a:spcPts val="0"/>
-              </a:spcBef>
-              <a:spcAft>
-                <a:spcPts val="0"/>
-              </a:spcAft>
-              <a:buSzPts val="2100"/>
-              <a:buFont typeface="Arial" panose="020B0604020202020204" pitchFamily="34" charset="0"/>
-              <a:buNone/>
-              <a:defRPr sz="2800" kern="1200">
-                <a:solidFill>
-                  <a:schemeClr val="tx1"/>
-                </a:solidFill>
-                <a:latin typeface="+mn-lt"/>
-                <a:ea typeface="+mn-ea"/>
-                <a:cs typeface="+mn-cs"/>
-              </a:defRPr>
-            </a:lvl6pPr>
-            <a:lvl7pPr marL="2971800" lvl="6" indent="-228600" algn="ctr" defTabSz="914400" rtl="0" eaLnBrk="1" latinLnBrk="1" hangingPunct="1">
-              <a:lnSpc>
-                <a:spcPct val="100000"/>
-              </a:lnSpc>
-              <a:spcBef>
-                <a:spcPts val="0"/>
-              </a:spcBef>
-              <a:spcAft>
-                <a:spcPts val="0"/>
-              </a:spcAft>
-              <a:buSzPts val="2100"/>
-              <a:buFont typeface="Arial" panose="020B0604020202020204" pitchFamily="34" charset="0"/>
-              <a:buNone/>
-              <a:defRPr sz="2800" kern="1200">
-                <a:solidFill>
-                  <a:schemeClr val="tx1"/>
-                </a:solidFill>
-                <a:latin typeface="+mn-lt"/>
-                <a:ea typeface="+mn-ea"/>
-                <a:cs typeface="+mn-cs"/>
-              </a:defRPr>
-            </a:lvl7pPr>
-            <a:lvl8pPr marL="3429000" lvl="7" indent="-228600" algn="ctr" defTabSz="914400" rtl="0" eaLnBrk="1" latinLnBrk="1" hangingPunct="1">
-              <a:lnSpc>
-                <a:spcPct val="100000"/>
-              </a:lnSpc>
-              <a:spcBef>
-                <a:spcPts val="0"/>
-              </a:spcBef>
-              <a:spcAft>
-                <a:spcPts val="0"/>
-              </a:spcAft>
-              <a:buSzPts val="2100"/>
-              <a:buFont typeface="Arial" panose="020B0604020202020204" pitchFamily="34" charset="0"/>
-              <a:buNone/>
-              <a:defRPr sz="2800" kern="1200">
-                <a:solidFill>
-                  <a:schemeClr val="tx1"/>
-                </a:solidFill>
-                <a:latin typeface="+mn-lt"/>
-                <a:ea typeface="+mn-ea"/>
-                <a:cs typeface="+mn-cs"/>
-              </a:defRPr>
-            </a:lvl8pPr>
-            <a:lvl9pPr marL="3886200" lvl="8" indent="-228600" algn="ctr" defTabSz="914400" rtl="0" eaLnBrk="1" latinLnBrk="1" hangingPunct="1">
-              <a:lnSpc>
-                <a:spcPct val="100000"/>
-              </a:lnSpc>
-              <a:spcBef>
-                <a:spcPts val="0"/>
-              </a:spcBef>
-              <a:spcAft>
-                <a:spcPts val="0"/>
-              </a:spcAft>
-              <a:buSzPts val="2100"/>
-              <a:buFont typeface="Arial" panose="020B0604020202020204" pitchFamily="34" charset="0"/>
-              <a:buNone/>
-              <a:defRPr sz="2800" kern="1200">
-                <a:solidFill>
-                  <a:schemeClr val="tx1"/>
-                </a:solidFill>
-                <a:latin typeface="+mn-lt"/>
-                <a:ea typeface="+mn-ea"/>
-                <a:cs typeface="+mn-cs"/>
-              </a:defRPr>
-            </a:lvl9pPr>
-          </a:lstStyle>
-          <a:p>
-            <a:pPr marL="0" indent="0"/>
-            <a:r>
-              <a:rPr lang="ko-KR" altLang="en-US" sz="2400" b="1" dirty="0">
-                <a:latin typeface="나눔손글씨 성실체" panose="02000503000000000000" pitchFamily="2" charset="-127"/>
-                <a:ea typeface="나눔손글씨 성실체" panose="02000503000000000000" pitchFamily="2" charset="-127"/>
-              </a:rPr>
-              <a:t>출처 </a:t>
-            </a:r>
-            <a:r>
-              <a:rPr lang="en-US" altLang="ko-KR" sz="2400" b="1" dirty="0">
-                <a:latin typeface="나눔손글씨 성실체" panose="02000503000000000000" pitchFamily="2" charset="-127"/>
-                <a:ea typeface="나눔손글씨 성실체" panose="02000503000000000000" pitchFamily="2" charset="-127"/>
-              </a:rPr>
-              <a:t>: </a:t>
-            </a:r>
-            <a:r>
-              <a:rPr lang="ko-KR" altLang="en-US" sz="2400" b="1" dirty="0">
-                <a:latin typeface="나눔손글씨 성실체" panose="02000503000000000000" pitchFamily="2" charset="-127"/>
-                <a:ea typeface="나눔손글씨 성실체" panose="02000503000000000000" pitchFamily="2" charset="-127"/>
-              </a:rPr>
-              <a:t>이정민님</a:t>
-            </a:r>
-          </a:p>
-        </p:txBody>
-      </p:sp>
-      <p:pic>
-        <p:nvPicPr>
-          <p:cNvPr id="6" name="그림 5">
-            <a:extLst>
-              <a:ext uri="{FF2B5EF4-FFF2-40B4-BE49-F238E27FC236}">
-                <a16:creationId xmlns:a16="http://schemas.microsoft.com/office/drawing/2014/main" id="{D85E6A5A-FCFA-AB1D-BDF9-3BFF0DB11B10}"/>
-              </a:ext>
-            </a:extLst>
-          </p:cNvPr>
-          <p:cNvPicPr>
-            <a:picLocks noChangeAspect="1"/>
-          </p:cNvPicPr>
-          <p:nvPr/>
-        </p:nvPicPr>
-        <p:blipFill>
-          <a:blip r:embed="rId2">
-            <a:extLst>
-              <a:ext uri="{28A0092B-C50C-407E-A947-70E740481C1C}">
-                <a14:useLocalDpi xmlns:a14="http://schemas.microsoft.com/office/drawing/2010/main" val="0"/>
-              </a:ext>
-            </a:extLst>
-          </a:blip>
-          <a:stretch>
-            <a:fillRect/>
-          </a:stretch>
-        </p:blipFill>
-        <p:spPr>
-          <a:xfrm>
-            <a:off x="9317182" y="2517264"/>
-            <a:ext cx="2500745" cy="2500745"/>
-          </a:xfrm>
-          <a:prstGeom prst="rect">
-            <a:avLst/>
-          </a:prstGeom>
-        </p:spPr>
-      </p:pic>
-      <p:pic>
-        <p:nvPicPr>
-          <p:cNvPr id="8" name="그림 7">
-            <a:extLst>
-              <a:ext uri="{FF2B5EF4-FFF2-40B4-BE49-F238E27FC236}">
-                <a16:creationId xmlns:a16="http://schemas.microsoft.com/office/drawing/2014/main" id="{FA082933-36D9-6169-4927-524D0CCD9560}"/>
-              </a:ext>
-            </a:extLst>
-          </p:cNvPr>
-          <p:cNvPicPr>
-            <a:picLocks noChangeAspect="1"/>
-          </p:cNvPicPr>
-          <p:nvPr/>
-        </p:nvPicPr>
-        <p:blipFill>
-          <a:blip r:embed="rId3">
-            <a:extLst>
-              <a:ext uri="{28A0092B-C50C-407E-A947-70E740481C1C}">
-                <a14:useLocalDpi xmlns:a14="http://schemas.microsoft.com/office/drawing/2010/main" val="0"/>
-              </a:ext>
-            </a:extLst>
-          </a:blip>
-          <a:stretch>
-            <a:fillRect/>
-          </a:stretch>
-        </p:blipFill>
-        <p:spPr>
-          <a:xfrm>
-            <a:off x="5832770" y="2378719"/>
-            <a:ext cx="2777836" cy="2777836"/>
-          </a:xfrm>
-          <a:prstGeom prst="rect">
-            <a:avLst/>
-          </a:prstGeom>
-        </p:spPr>
-      </p:pic>
-      <p:pic>
-        <p:nvPicPr>
-          <p:cNvPr id="10" name="그림 9">
-            <a:extLst>
-              <a:ext uri="{FF2B5EF4-FFF2-40B4-BE49-F238E27FC236}">
-                <a16:creationId xmlns:a16="http://schemas.microsoft.com/office/drawing/2014/main" id="{7BE88F63-D1F3-385A-D46C-3DA7FBBB9E1C}"/>
-              </a:ext>
-            </a:extLst>
-          </p:cNvPr>
-          <p:cNvPicPr>
-            <a:picLocks noChangeAspect="1"/>
-          </p:cNvPicPr>
-          <p:nvPr/>
-        </p:nvPicPr>
-        <p:blipFill>
-          <a:blip r:embed="rId4">
-            <a:extLst>
-              <a:ext uri="{28A0092B-C50C-407E-A947-70E740481C1C}">
-                <a14:useLocalDpi xmlns:a14="http://schemas.microsoft.com/office/drawing/2010/main" val="0"/>
-              </a:ext>
-            </a:extLst>
-          </a:blip>
-          <a:stretch>
-            <a:fillRect/>
-          </a:stretch>
-        </p:blipFill>
-        <p:spPr>
-          <a:xfrm>
-            <a:off x="3290461" y="2614246"/>
-            <a:ext cx="2542309" cy="2542309"/>
-          </a:xfrm>
-          <a:prstGeom prst="rect">
-            <a:avLst/>
-          </a:prstGeom>
-        </p:spPr>
-      </p:pic>
-      <p:pic>
-        <p:nvPicPr>
-          <p:cNvPr id="15" name="그림 14">
-            <a:extLst>
-              <a:ext uri="{FF2B5EF4-FFF2-40B4-BE49-F238E27FC236}">
-                <a16:creationId xmlns:a16="http://schemas.microsoft.com/office/drawing/2014/main" id="{20CB3438-B5A7-C4C3-BAA0-5EF817FAD6F8}"/>
-              </a:ext>
-            </a:extLst>
-          </p:cNvPr>
-          <p:cNvPicPr>
-            <a:picLocks noChangeAspect="1"/>
-          </p:cNvPicPr>
-          <p:nvPr/>
-        </p:nvPicPr>
-        <p:blipFill>
-          <a:blip r:embed="rId5">
-            <a:extLst>
-              <a:ext uri="{28A0092B-C50C-407E-A947-70E740481C1C}">
-                <a14:useLocalDpi xmlns:a14="http://schemas.microsoft.com/office/drawing/2010/main" val="0"/>
-              </a:ext>
-            </a:extLst>
-          </a:blip>
-          <a:stretch>
-            <a:fillRect/>
-          </a:stretch>
-        </p:blipFill>
-        <p:spPr>
-          <a:xfrm>
-            <a:off x="443491" y="2517264"/>
-            <a:ext cx="2542309" cy="2542309"/>
-          </a:xfrm>
-          <a:prstGeom prst="rect">
-            <a:avLst/>
-          </a:prstGeom>
-        </p:spPr>
-      </p:pic>
-    </p:spTree>
-    <p:extLst>
-      <p:ext uri="{BB962C8B-B14F-4D97-AF65-F5344CB8AC3E}">
-        <p14:creationId xmlns:p14="http://schemas.microsoft.com/office/powerpoint/2010/main" val="1997716387"/>
-      </p:ext>
-    </p:extLst>
-  </p:cSld>
-  <p:clrMapOvr>
-    <a:masterClrMapping/>
-  </p:clrMapOvr>
-</p:sld>
-</file>
-
-<file path=ppt/slides/slide7.xml><?xml version="1.0" encoding="utf-8"?>
-<p:sld xmlns:a="http://schemas.openxmlformats.org/drawingml/2006/main" xmlns:r="http://schemas.openxmlformats.org/officeDocument/2006/relationships" xmlns:p="http://schemas.openxmlformats.org/presentationml/2006/main" showMasterSp="0">
-  <p:cSld>
-    <p:spTree>
-      <p:nvGrpSpPr>
         <p:cNvPr id="1" name="Shape 1779"/>
         <p:cNvGrpSpPr/>
         <p:nvPr/>
@@ -40961,7 +40320,7 @@
 </p:sld>
 </file>
 
-<file path=ppt/slides/slide8.xml><?xml version="1.0" encoding="utf-8"?>
+<file path=ppt/slides/slide7.xml><?xml version="1.0" encoding="utf-8"?>
 <p:sld xmlns:a="http://schemas.openxmlformats.org/drawingml/2006/main" xmlns:r="http://schemas.openxmlformats.org/officeDocument/2006/relationships" xmlns:p="http://schemas.openxmlformats.org/presentationml/2006/main" showMasterSp="0">
   <p:cSld>
     <p:spTree>
@@ -41070,10 +40429,10 @@
       </p:sp>
       <p:pic>
         <p:nvPicPr>
-          <p:cNvPr id="2" name="그림 1">
+          <p:cNvPr id="6" name="그림 5">
             <a:extLst>
               <a:ext uri="{FF2B5EF4-FFF2-40B4-BE49-F238E27FC236}">
-                <a16:creationId xmlns:a16="http://schemas.microsoft.com/office/drawing/2014/main" id="{1489E399-C63B-17A4-6236-0685E1178538}"/>
+                <a16:creationId xmlns:a16="http://schemas.microsoft.com/office/drawing/2014/main" id="{4A3BB55D-A8F8-EAB7-0721-0CD39EC56495}"/>
               </a:ext>
             </a:extLst>
           </p:cNvPr>
@@ -41090,16 +40449,12 @@
         </p:blipFill>
         <p:spPr>
           <a:xfrm>
-            <a:off x="963667" y="1498005"/>
-            <a:ext cx="10290000" cy="5046014"/>
+            <a:off x="963666" y="1630496"/>
+            <a:ext cx="10289999" cy="4889798"/>
           </a:xfrm>
           <a:prstGeom prst="rect">
             <a:avLst/>
           </a:prstGeom>
-          <a:ln>
-            <a:noFill/>
-          </a:ln>
-          <a:effectLst/>
         </p:spPr>
       </p:pic>
     </p:spTree>
@@ -41115,7 +40470,7 @@
 </p:sld>
 </file>
 
-<file path=ppt/slides/slide9.xml><?xml version="1.0" encoding="utf-8"?>
+<file path=ppt/slides/slide8.xml><?xml version="1.0" encoding="utf-8"?>
 <p:sld xmlns:a="http://schemas.openxmlformats.org/drawingml/2006/main" xmlns:r="http://schemas.openxmlformats.org/officeDocument/2006/relationships" xmlns:p="http://schemas.openxmlformats.org/presentationml/2006/main" showMasterSp="0">
   <p:cSld>
     <p:spTree>
@@ -41224,10 +40579,10 @@
       </p:sp>
       <p:pic>
         <p:nvPicPr>
-          <p:cNvPr id="4" name="그림 3">
+          <p:cNvPr id="3" name="그림 2">
             <a:extLst>
               <a:ext uri="{FF2B5EF4-FFF2-40B4-BE49-F238E27FC236}">
-                <a16:creationId xmlns:a16="http://schemas.microsoft.com/office/drawing/2014/main" id="{19C045C8-70C9-58F0-E6F2-E36C37864DBB}"/>
+                <a16:creationId xmlns:a16="http://schemas.microsoft.com/office/drawing/2014/main" id="{EB74B11A-7607-DA76-2872-B0A9E8F8CC1E}"/>
               </a:ext>
             </a:extLst>
           </p:cNvPr>
@@ -41244,21 +40599,168 @@
         </p:blipFill>
         <p:spPr>
           <a:xfrm>
-            <a:off x="963667" y="1570457"/>
-            <a:ext cx="10290000" cy="4948530"/>
+            <a:off x="963667" y="1679687"/>
+            <a:ext cx="10290000" cy="4553585"/>
           </a:xfrm>
           <a:prstGeom prst="rect">
             <a:avLst/>
           </a:prstGeom>
-          <a:ln>
-            <a:noFill/>
-          </a:ln>
         </p:spPr>
       </p:pic>
     </p:spTree>
     <p:extLst>
       <p:ext uri="{BB962C8B-B14F-4D97-AF65-F5344CB8AC3E}">
         <p14:creationId xmlns:p14="http://schemas.microsoft.com/office/powerpoint/2010/main" val="2753989519"/>
+      </p:ext>
+    </p:extLst>
+  </p:cSld>
+  <p:clrMapOvr>
+    <a:masterClrMapping/>
+  </p:clrMapOvr>
+</p:sld>
+</file>
+
+<file path=ppt/slides/slide9.xml><?xml version="1.0" encoding="utf-8"?>
+<p:sld xmlns:a="http://schemas.openxmlformats.org/drawingml/2006/main" xmlns:r="http://schemas.openxmlformats.org/officeDocument/2006/relationships" xmlns:p="http://schemas.openxmlformats.org/presentationml/2006/main" showMasterSp="0">
+  <p:cSld>
+    <p:spTree>
+      <p:nvGrpSpPr>
+        <p:cNvPr id="1" name="Shape 1779"/>
+        <p:cNvGrpSpPr/>
+        <p:nvPr/>
+      </p:nvGrpSpPr>
+      <p:grpSpPr>
+        <a:xfrm>
+          <a:off x="0" y="0"/>
+          <a:ext cx="0" cy="0"/>
+          <a:chOff x="0" y="0"/>
+          <a:chExt cx="0" cy="0"/>
+        </a:xfrm>
+      </p:grpSpPr>
+      <p:sp>
+        <p:nvSpPr>
+          <p:cNvPr id="1781" name="Google Shape;1781;p39"/>
+          <p:cNvSpPr txBox="1">
+            <a:spLocks noGrp="1"/>
+          </p:cNvSpPr>
+          <p:nvPr>
+            <p:ph type="ctrTitle" idx="15"/>
+          </p:nvPr>
+        </p:nvSpPr>
+        <p:spPr>
+          <a:xfrm>
+            <a:off x="963667" y="427149"/>
+            <a:ext cx="10290000" cy="716000"/>
+          </a:xfrm>
+          <a:prstGeom prst="rect">
+            <a:avLst/>
+          </a:prstGeom>
+          <a:solidFill>
+            <a:srgbClr val="FDEFC2"/>
+          </a:solidFill>
+          <a:ln>
+            <a:solidFill>
+              <a:srgbClr val="F5F0BB"/>
+            </a:solidFill>
+          </a:ln>
+        </p:spPr>
+        <p:txBody>
+          <a:bodyPr spcFirstLastPara="1" vert="horz" wrap="square" lIns="121900" tIns="121900" rIns="121900" bIns="121900" rtlCol="0" anchor="ctr" anchorCtr="0">
+            <a:noAutofit/>
+          </a:bodyPr>
+          <a:lstStyle/>
+          <a:p>
+            <a:r>
+              <a:rPr lang="ko-KR" altLang="en-US" sz="4800" dirty="0">
+                <a:latin typeface="나눔손글씨 성실체" panose="02000503000000000000" pitchFamily="2" charset="-127"/>
+                <a:ea typeface="나눔손글씨 성실체" panose="02000503000000000000" pitchFamily="2" charset="-127"/>
+              </a:rPr>
+              <a:t>화면구현             </a:t>
+            </a:r>
+            <a:endParaRPr dirty="0">
+              <a:latin typeface="나눔손글씨 성실체" panose="02000503000000000000" pitchFamily="2" charset="-127"/>
+              <a:ea typeface="나눔손글씨 성실체" panose="02000503000000000000" pitchFamily="2" charset="-127"/>
+            </a:endParaRPr>
+          </a:p>
+        </p:txBody>
+      </p:sp>
+      <p:sp>
+        <p:nvSpPr>
+          <p:cNvPr id="1783" name="Google Shape;1783;p39"/>
+          <p:cNvSpPr txBox="1">
+            <a:spLocks noGrp="1"/>
+          </p:cNvSpPr>
+          <p:nvPr>
+            <p:ph type="subTitle" idx="2"/>
+          </p:nvPr>
+        </p:nvSpPr>
+        <p:spPr>
+          <a:xfrm>
+            <a:off x="272716" y="624728"/>
+            <a:ext cx="4147092" cy="716000"/>
+          </a:xfrm>
+          <a:prstGeom prst="rect">
+            <a:avLst/>
+          </a:prstGeom>
+          <a:solidFill>
+            <a:srgbClr val="E3DFFD"/>
+          </a:solidFill>
+        </p:spPr>
+        <p:txBody>
+          <a:bodyPr spcFirstLastPara="1" vert="horz" wrap="square" lIns="121900" tIns="121900" rIns="121900" bIns="121900" rtlCol="0" anchor="b" anchorCtr="0">
+            <a:noAutofit/>
+          </a:bodyPr>
+          <a:lstStyle/>
+          <a:p>
+            <a:pPr marL="0" indent="0" algn="ctr"/>
+            <a:r>
+              <a:rPr lang="ko-KR" altLang="en-US" sz="4000" dirty="0">
+                <a:latin typeface="나눔손글씨 성실체" panose="02000503000000000000" pitchFamily="2" charset="-127"/>
+                <a:ea typeface="나눔손글씨 성실체" panose="02000503000000000000" pitchFamily="2" charset="-127"/>
+              </a:rPr>
+              <a:t>아이디 찾기</a:t>
+            </a:r>
+            <a:endParaRPr sz="4000" dirty="0">
+              <a:latin typeface="나눔손글씨 성실체" panose="02000503000000000000" pitchFamily="2" charset="-127"/>
+              <a:ea typeface="나눔손글씨 성실체" panose="02000503000000000000" pitchFamily="2" charset="-127"/>
+            </a:endParaRPr>
+          </a:p>
+        </p:txBody>
+      </p:sp>
+      <p:pic>
+        <p:nvPicPr>
+          <p:cNvPr id="3" name="그림 2">
+            <a:extLst>
+              <a:ext uri="{FF2B5EF4-FFF2-40B4-BE49-F238E27FC236}">
+                <a16:creationId xmlns:a16="http://schemas.microsoft.com/office/drawing/2014/main" id="{0461638B-05FD-4E46-6559-7953DEBF849C}"/>
+              </a:ext>
+            </a:extLst>
+          </p:cNvPr>
+          <p:cNvPicPr>
+            <a:picLocks noChangeAspect="1"/>
+          </p:cNvPicPr>
+          <p:nvPr/>
+        </p:nvPicPr>
+        <p:blipFill>
+          <a:blip r:embed="rId3"/>
+          <a:stretch>
+            <a:fillRect/>
+          </a:stretch>
+        </p:blipFill>
+        <p:spPr>
+          <a:xfrm>
+            <a:off x="963667" y="1648634"/>
+            <a:ext cx="10290000" cy="4782217"/>
+          </a:xfrm>
+          <a:prstGeom prst="rect">
+            <a:avLst/>
+          </a:prstGeom>
+        </p:spPr>
+      </p:pic>
+    </p:spTree>
+    <p:extLst>
+      <p:ext uri="{BB962C8B-B14F-4D97-AF65-F5344CB8AC3E}">
+        <p14:creationId xmlns:p14="http://schemas.microsoft.com/office/powerpoint/2010/main" val="2169194483"/>
       </p:ext>
     </p:extLst>
   </p:cSld>
